--- a/iofm-new-excel-stack.pptx
+++ b/iofm-new-excel-stack.pptx
@@ -247,7 +247,7 @@
           <a:p>
             <a:fld id="{17A98A70-FA8C-4354-959C-C70678AC9BCF}" type="datetimeFigureOut">
               <a:rPr lang="en-US" smtClean="0"/>
-              <a:t>1/7/2026</a:t>
+              <a:t>1/19/2026</a:t>
             </a:fld>
             <a:endParaRPr lang="en-US"/>
           </a:p>
@@ -558,30 +558,241 @@
           <a:bodyPr/>
           <a:lstStyle/>
           <a:p>
+            <a:r>
+              <a:rPr lang="en-US" dirty="0"/>
+              <a:t>I like to frame AI in Excel as a spectrum, because most of the confusion comes from living at the extremes.</a:t>
+            </a:r>
+          </a:p>
+          <a:p>
+            <a:r>
+              <a:rPr lang="en-US" dirty="0"/>
+              <a:t>On one end, you have </a:t>
+            </a:r>
+            <a:r>
+              <a:rPr lang="en-US" b="1" dirty="0"/>
+              <a:t>AI without structure</a:t>
+            </a:r>
+            <a:r>
+              <a:rPr lang="en-US" dirty="0"/>
+              <a:t>.</a:t>
+            </a:r>
+            <a:br>
+              <a:rPr lang="en-US" dirty="0"/>
+            </a:br>
+            <a:r>
+              <a:rPr lang="en-US" dirty="0"/>
+              <a:t>That’s when people paste messy data into a chat box and ask for answers.</a:t>
+            </a:r>
+            <a:br>
+              <a:rPr lang="en-US" dirty="0"/>
+            </a:br>
+            <a:r>
+              <a:rPr lang="en-US" dirty="0"/>
+              <a:t>There’s no validation, no audit trail, no repeatability.</a:t>
+            </a:r>
+            <a:br>
+              <a:rPr lang="en-US" dirty="0"/>
+            </a:br>
+            <a:r>
+              <a:rPr lang="en-US" dirty="0"/>
+              <a:t>In finance, that’s not innovation — that’s risk.</a:t>
+            </a:r>
+          </a:p>
+          <a:p>
+            <a:r>
+              <a:rPr lang="en-US" dirty="0"/>
+              <a:t>On the other end, you have </a:t>
+            </a:r>
+            <a:r>
+              <a:rPr lang="en-US" b="1" dirty="0"/>
+              <a:t>structure without AI</a:t>
+            </a:r>
+            <a:r>
+              <a:rPr lang="en-US" dirty="0"/>
+              <a:t>.</a:t>
+            </a:r>
+            <a:br>
+              <a:rPr lang="en-US" dirty="0"/>
+            </a:br>
+            <a:r>
+              <a:rPr lang="en-US" dirty="0"/>
+              <a:t>Very controlled spreadsheets, very careful processes — but everything is slow, manual, and fragile.</a:t>
+            </a:r>
+            <a:br>
+              <a:rPr lang="en-US" dirty="0"/>
+            </a:br>
+            <a:r>
+              <a:rPr lang="en-US" dirty="0"/>
+              <a:t>People spend their time copying, checking, reformatting, and explaining instead of thinking.</a:t>
+            </a:r>
+          </a:p>
+          <a:p>
+            <a:r>
+              <a:rPr lang="en-US" dirty="0"/>
+              <a:t>The sweet spot is right here in the middle.</a:t>
+            </a:r>
+            <a:br>
+              <a:rPr lang="en-US" dirty="0"/>
+            </a:br>
+            <a:r>
+              <a:rPr lang="en-US" b="1" dirty="0"/>
+              <a:t>AI layered on top of Excel’s existing controls.</a:t>
+            </a:r>
+            <a:endParaRPr lang="en-US" dirty="0"/>
+          </a:p>
+          <a:p>
+            <a:r>
+              <a:rPr lang="en-US" dirty="0"/>
+              <a:t>Excel already gives us things finance cares about:</a:t>
+            </a:r>
+            <a:br>
+              <a:rPr lang="en-US" dirty="0"/>
+            </a:br>
+            <a:r>
+              <a:rPr lang="en-US" dirty="0"/>
+              <a:t>tables, formulas, Power Query steps, version history, review workflows.</a:t>
+            </a:r>
+            <a:br>
+              <a:rPr lang="en-US" dirty="0"/>
+            </a:br>
+            <a:r>
+              <a:rPr lang="en-US" dirty="0"/>
+              <a:t>AI becomes useful when it </a:t>
+            </a:r>
+            <a:r>
+              <a:rPr lang="en-US" i="1" dirty="0"/>
+              <a:t>respects</a:t>
+            </a:r>
+            <a:r>
+              <a:rPr lang="en-US" dirty="0"/>
+              <a:t> that structure instead of bypassing it.</a:t>
+            </a:r>
+          </a:p>
+          <a:p>
+            <a:r>
+              <a:rPr lang="en-US" dirty="0"/>
+              <a:t>In this session, I’m not showing AI as a decision-maker.</a:t>
+            </a:r>
+            <a:br>
+              <a:rPr lang="en-US" dirty="0"/>
+            </a:br>
+            <a:r>
+              <a:rPr lang="en-US" dirty="0"/>
+              <a:t>I’m showing it as an assistant that works </a:t>
+            </a:r>
+            <a:r>
+              <a:rPr lang="en-US" i="1" dirty="0"/>
+              <a:t>inside</a:t>
+            </a:r>
+            <a:r>
+              <a:rPr lang="en-US" dirty="0"/>
+              <a:t> a controlled Excel workflow:</a:t>
+            </a:r>
+            <a:br>
+              <a:rPr lang="en-US" dirty="0"/>
+            </a:br>
+            <a:r>
+              <a:rPr lang="en-US" dirty="0"/>
+              <a:t>helping spot issues, draft explanations, and reduce repetitive effort — while humans still review, refresh, and approve.</a:t>
+            </a:r>
+          </a:p>
+          <a:p>
+            <a:r>
+              <a:rPr lang="en-US" dirty="0"/>
+              <a:t>That’s where you get leverage without giving up control.</a:t>
+            </a:r>
+          </a:p>
+          <a:p>
+            <a:endParaRPr lang="en-US" dirty="0"/>
+          </a:p>
+        </p:txBody>
+      </p:sp>
+      <p:sp>
+        <p:nvSpPr>
+          <p:cNvPr id="4" name="Slide Number Placeholder 3"/>
+          <p:cNvSpPr>
+            <a:spLocks noGrp="1"/>
+          </p:cNvSpPr>
+          <p:nvPr>
+            <p:ph type="sldNum" sz="quarter" idx="5"/>
+          </p:nvPr>
+        </p:nvSpPr>
+        <p:spPr/>
+        <p:txBody>
+          <a:bodyPr/>
+          <a:lstStyle/>
+          <a:p>
+            <a:fld id="{FFB500C5-13F7-48FC-8160-C29AECF6C602}" type="slidenum">
+              <a:rPr lang="en-US" smtClean="0"/>
+              <a:t>4</a:t>
+            </a:fld>
+            <a:endParaRPr lang="en-US"/>
+          </a:p>
+        </p:txBody>
+      </p:sp>
+    </p:spTree>
+    <p:extLst>
+      <p:ext uri="{BB962C8B-B14F-4D97-AF65-F5344CB8AC3E}">
+        <p14:creationId xmlns:p14="http://schemas.microsoft.com/office/powerpoint/2010/main" val="2663505769"/>
+      </p:ext>
+    </p:extLst>
+  </p:cSld>
+  <p:clrMapOvr>
+    <a:masterClrMapping/>
+  </p:clrMapOvr>
+</p:notes>
+</file>
+
+<file path=ppt/notesSlides/notesSlide2.xml><?xml version="1.0" encoding="utf-8"?>
+<p:notes xmlns:a="http://schemas.openxmlformats.org/drawingml/2006/main" xmlns:r="http://schemas.openxmlformats.org/officeDocument/2006/relationships" xmlns:p="http://schemas.openxmlformats.org/presentationml/2006/main">
+  <p:cSld>
+    <p:spTree>
+      <p:nvGrpSpPr>
+        <p:cNvPr id="1" name=""/>
+        <p:cNvGrpSpPr/>
+        <p:nvPr/>
+      </p:nvGrpSpPr>
+      <p:grpSpPr>
+        <a:xfrm>
+          <a:off x="0" y="0"/>
+          <a:ext cx="0" cy="0"/>
+          <a:chOff x="0" y="0"/>
+          <a:chExt cx="0" cy="0"/>
+        </a:xfrm>
+      </p:grpSpPr>
+      <p:sp>
+        <p:nvSpPr>
+          <p:cNvPr id="2" name="Slide Image Placeholder 1"/>
+          <p:cNvSpPr>
+            <a:spLocks noGrp="1" noRot="1" noChangeAspect="1"/>
+          </p:cNvSpPr>
+          <p:nvPr>
+            <p:ph type="sldImg"/>
+          </p:nvPr>
+        </p:nvSpPr>
+        <p:spPr/>
+      </p:sp>
+      <p:sp>
+        <p:nvSpPr>
+          <p:cNvPr id="3" name="Notes Placeholder 2"/>
+          <p:cNvSpPr>
+            <a:spLocks noGrp="1"/>
+          </p:cNvSpPr>
+          <p:nvPr>
+            <p:ph type="body" idx="1"/>
+          </p:nvPr>
+        </p:nvSpPr>
+        <p:spPr/>
+        <p:txBody>
+          <a:bodyPr/>
+          <a:lstStyle/>
+          <a:p>
             <a:pPr marL="228600" indent="-228600">
               <a:buAutoNum type="arabicPeriod"/>
             </a:pPr>
             <a:r>
               <a:rPr lang="en-US" dirty="0"/>
-              <a:t>False!</a:t>
-            </a:r>
-          </a:p>
-          <a:p>
-            <a:pPr marL="228600" indent="-228600">
-              <a:buAutoNum type="arabicPeriod"/>
-            </a:pPr>
-            <a:r>
-              <a:rPr lang="en-US" dirty="0"/>
-              <a:t>Function, Formula, Function</a:t>
-            </a:r>
-          </a:p>
-          <a:p>
-            <a:pPr marL="228600" indent="-228600">
-              <a:buAutoNum type="arabicPeriod"/>
-            </a:pPr>
-            <a:r>
-              <a:rPr lang="en-US" dirty="0"/>
-              <a:t>Argument</a:t>
+              <a:t>\\</a:t>
             </a:r>
           </a:p>
         </p:txBody>
@@ -622,7 +833,7 @@
 </p:notes>
 </file>
 
-<file path=ppt/notesSlides/notesSlide2.xml><?xml version="1.0" encoding="utf-8"?>
+<file path=ppt/notesSlides/notesSlide3.xml><?xml version="1.0" encoding="utf-8"?>
 <p:notes xmlns:a="http://schemas.openxmlformats.org/drawingml/2006/main" xmlns:r="http://schemas.openxmlformats.org/officeDocument/2006/relationships" xmlns:p="http://schemas.openxmlformats.org/presentationml/2006/main">
   <p:cSld>
     <p:spTree>
@@ -754,7 +965,7 @@
 </p:notes>
 </file>
 
-<file path=ppt/notesSlides/notesSlide3.xml><?xml version="1.0" encoding="utf-8"?>
+<file path=ppt/notesSlides/notesSlide4.xml><?xml version="1.0" encoding="utf-8"?>
 <p:notes xmlns:a="http://schemas.openxmlformats.org/drawingml/2006/main" xmlns:r="http://schemas.openxmlformats.org/officeDocument/2006/relationships" xmlns:p="http://schemas.openxmlformats.org/presentationml/2006/main">
   <p:cSld>
     <p:spTree>
@@ -886,7 +1097,7 @@
 </p:notes>
 </file>
 
-<file path=ppt/notesSlides/notesSlide4.xml><?xml version="1.0" encoding="utf-8"?>
+<file path=ppt/notesSlides/notesSlide5.xml><?xml version="1.0" encoding="utf-8"?>
 <p:notes xmlns:a="http://schemas.openxmlformats.org/drawingml/2006/main" xmlns:r="http://schemas.openxmlformats.org/officeDocument/2006/relationships" xmlns:p="http://schemas.openxmlformats.org/presentationml/2006/main">
   <p:cSld>
     <p:spTree>
@@ -1018,7 +1229,7 @@
 </p:notes>
 </file>
 
-<file path=ppt/notesSlides/notesSlide5.xml><?xml version="1.0" encoding="utf-8"?>
+<file path=ppt/notesSlides/notesSlide6.xml><?xml version="1.0" encoding="utf-8"?>
 <p:notes xmlns:a="http://schemas.openxmlformats.org/drawingml/2006/main" xmlns:r="http://schemas.openxmlformats.org/officeDocument/2006/relationships" xmlns:p="http://schemas.openxmlformats.org/presentationml/2006/main">
   <p:cSld>
     <p:spTree>
@@ -1306,7 +1517,7 @@
             <a:fld id="{1D8BD707-D9CF-40AE-B4C6-C98DA3205C09}" type="datetimeFigureOut">
               <a:rPr lang="en-US" smtClean="0"/>
               <a:pPr/>
-              <a:t>1/7/2026</a:t>
+              <a:t>1/19/2026</a:t>
             </a:fld>
             <a:endParaRPr lang="en-US"/>
           </a:p>
@@ -1471,7 +1682,7 @@
             <a:fld id="{1D8BD707-D9CF-40AE-B4C6-C98DA3205C09}" type="datetimeFigureOut">
               <a:rPr lang="en-US" smtClean="0"/>
               <a:pPr/>
-              <a:t>1/7/2026</a:t>
+              <a:t>1/19/2026</a:t>
             </a:fld>
             <a:endParaRPr lang="en-US"/>
           </a:p>
@@ -1646,7 +1857,7 @@
             <a:fld id="{1D8BD707-D9CF-40AE-B4C6-C98DA3205C09}" type="datetimeFigureOut">
               <a:rPr lang="en-US" smtClean="0"/>
               <a:pPr/>
-              <a:t>1/7/2026</a:t>
+              <a:t>1/19/2026</a:t>
             </a:fld>
             <a:endParaRPr lang="en-US"/>
           </a:p>
@@ -1811,7 +2022,7 @@
             <a:fld id="{1D8BD707-D9CF-40AE-B4C6-C98DA3205C09}" type="datetimeFigureOut">
               <a:rPr lang="en-US" smtClean="0"/>
               <a:pPr/>
-              <a:t>1/7/2026</a:t>
+              <a:t>1/19/2026</a:t>
             </a:fld>
             <a:endParaRPr lang="en-US"/>
           </a:p>
@@ -2053,7 +2264,7 @@
             <a:fld id="{1D8BD707-D9CF-40AE-B4C6-C98DA3205C09}" type="datetimeFigureOut">
               <a:rPr lang="en-US" smtClean="0"/>
               <a:pPr/>
-              <a:t>1/7/2026</a:t>
+              <a:t>1/19/2026</a:t>
             </a:fld>
             <a:endParaRPr lang="en-US"/>
           </a:p>
@@ -2335,7 +2546,7 @@
             <a:fld id="{1D8BD707-D9CF-40AE-B4C6-C98DA3205C09}" type="datetimeFigureOut">
               <a:rPr lang="en-US" smtClean="0"/>
               <a:pPr/>
-              <a:t>1/7/2026</a:t>
+              <a:t>1/19/2026</a:t>
             </a:fld>
             <a:endParaRPr lang="en-US"/>
           </a:p>
@@ -2751,7 +2962,7 @@
             <a:fld id="{1D8BD707-D9CF-40AE-B4C6-C98DA3205C09}" type="datetimeFigureOut">
               <a:rPr lang="en-US" smtClean="0"/>
               <a:pPr/>
-              <a:t>1/7/2026</a:t>
+              <a:t>1/19/2026</a:t>
             </a:fld>
             <a:endParaRPr lang="en-US"/>
           </a:p>
@@ -2865,7 +3076,7 @@
             <a:fld id="{1D8BD707-D9CF-40AE-B4C6-C98DA3205C09}" type="datetimeFigureOut">
               <a:rPr lang="en-US" smtClean="0"/>
               <a:pPr/>
-              <a:t>1/7/2026</a:t>
+              <a:t>1/19/2026</a:t>
             </a:fld>
             <a:endParaRPr lang="en-US"/>
           </a:p>
@@ -2957,7 +3168,7 @@
             <a:fld id="{1D8BD707-D9CF-40AE-B4C6-C98DA3205C09}" type="datetimeFigureOut">
               <a:rPr lang="en-US" smtClean="0"/>
               <a:pPr/>
-              <a:t>1/7/2026</a:t>
+              <a:t>1/19/2026</a:t>
             </a:fld>
             <a:endParaRPr lang="en-US"/>
           </a:p>
@@ -3229,7 +3440,7 @@
             <a:fld id="{1D8BD707-D9CF-40AE-B4C6-C98DA3205C09}" type="datetimeFigureOut">
               <a:rPr lang="en-US" smtClean="0"/>
               <a:pPr/>
-              <a:t>1/7/2026</a:t>
+              <a:t>1/19/2026</a:t>
             </a:fld>
             <a:endParaRPr lang="en-US"/>
           </a:p>
@@ -3478,7 +3689,7 @@
             <a:fld id="{1D8BD707-D9CF-40AE-B4C6-C98DA3205C09}" type="datetimeFigureOut">
               <a:rPr lang="en-US" smtClean="0"/>
               <a:pPr/>
-              <a:t>1/7/2026</a:t>
+              <a:t>1/19/2026</a:t>
             </a:fld>
             <a:endParaRPr lang="en-US"/>
           </a:p>
@@ -3691,7 +3902,7 @@
             <a:fld id="{1D8BD707-D9CF-40AE-B4C6-C98DA3205C09}" type="datetimeFigureOut">
               <a:rPr lang="en-US" smtClean="0"/>
               <a:pPr/>
-              <a:t>1/7/2026</a:t>
+              <a:t>1/19/2026</a:t>
             </a:fld>
             <a:endParaRPr lang="en-US"/>
           </a:p>
@@ -4349,7 +4560,7 @@
         <p:spPr>
           <a:xfrm>
             <a:off x="260431" y="329879"/>
-            <a:ext cx="8906720" cy="7079887"/>
+            <a:ext cx="8906720" cy="8710590"/>
           </a:xfrm>
           <a:prstGeom prst="rect">
             <a:avLst/>
@@ -4369,7 +4580,7 @@
                 </a:solidFill>
                 <a:latin typeface="Pragmatica" panose="020B0403040502020204" pitchFamily="34" charset="0"/>
               </a:rPr>
-              <a:t>AI-assisted workflows with Agent Mode</a:t>
+              <a:t>Draft-first reporting workflows with Agent Mode</a:t>
             </a:r>
           </a:p>
           <a:p>
@@ -4403,7 +4614,7 @@
                 <a:latin typeface="Pragmatica" panose="020B0403040502020204"/>
                 <a:sym typeface="Consolas"/>
               </a:rPr>
-              <a:t>Use Agent Mode to coordinate multi-step tasks across sheets, tables, and tools</a:t>
+              <a:t>Use Agent Mode to assemble analyses, charts, and written summaries across Excel sheets</a:t>
             </a:r>
           </a:p>
           <a:p>
@@ -4429,7 +4640,7 @@
                 <a:latin typeface="Pragmatica" panose="020B0403040502020204"/>
                 <a:sym typeface="Consolas"/>
               </a:rPr>
-              <a:t>Let the agent combine formulas, charts, and explanations into one workflow</a:t>
+              <a:t>Treat agent output as a coordinated draft, not a final deliverable</a:t>
             </a:r>
           </a:p>
           <a:p>
@@ -4455,15 +4666,8 @@
                 <a:latin typeface="Pragmatica" panose="020B0403040502020204"/>
                 <a:sym typeface="Consolas"/>
               </a:rPr>
-              <a:t>Review and approve its output to ensure accuracy and maintain auditability</a:t>
-            </a:r>
-            <a:endParaRPr lang="en-US" sz="3200" dirty="0">
-              <a:solidFill>
-                <a:srgbClr val="C00000"/>
-              </a:solidFill>
-              <a:latin typeface="Consolas" panose="020B0609020204030204" pitchFamily="49" charset="0"/>
-              <a:sym typeface="Consolas"/>
-            </a:endParaRPr>
+              <a:t>Review, edit, and approve results to preserve accuracy and auditability</a:t>
+            </a:r>
           </a:p>
           <a:p>
             <a:pPr marL="142875">
@@ -4478,6 +4682,27 @@
               </a:buClr>
               <a:buSzPts val="2100"/>
             </a:pPr>
+            <a:endParaRPr lang="en-US" sz="3200" dirty="0">
+              <a:solidFill>
+                <a:srgbClr val="C00000"/>
+              </a:solidFill>
+              <a:latin typeface="Pragmatica" panose="020B0403040502020204"/>
+              <a:sym typeface="Consolas"/>
+            </a:endParaRPr>
+          </a:p>
+          <a:p>
+            <a:pPr marL="142875">
+              <a:lnSpc>
+                <a:spcPct val="115000"/>
+              </a:lnSpc>
+              <a:spcBef>
+                <a:spcPts val="1125"/>
+              </a:spcBef>
+              <a:buClr>
+                <a:srgbClr val="C00000"/>
+              </a:buClr>
+              <a:buSzPts val="2100"/>
+            </a:pPr>
             <a:r>
               <a:rPr lang="en-US" sz="3200" dirty="0">
                 <a:solidFill>
@@ -4496,7 +4721,7 @@
                 <a:latin typeface="Consolas" panose="020B0609020204030204" pitchFamily="49" charset="0"/>
                 <a:sym typeface="Consolas"/>
               </a:rPr>
-              <a:t>EquitySnapshotPlus</a:t>
+              <a:t>APSummary</a:t>
             </a:r>
             <a:endParaRPr lang="en-US" sz="6000" dirty="0">
               <a:solidFill>
@@ -5607,7 +5832,7 @@
           <p:nvPr/>
         </p:nvPicPr>
         <p:blipFill>
-          <a:blip r:embed="rId2">
+          <a:blip r:embed="rId3">
             <a:extLst>
               <a:ext uri="{28A0092B-C50C-407E-A947-70E740481C1C}">
                 <a14:useLocalDpi xmlns:a14="http://schemas.microsoft.com/office/drawing/2010/main" val="0"/>
@@ -5724,7 +5949,7 @@
             <a:pPr algn="ctr"/>
             <a:r>
               <a:rPr lang="en-US" sz="4000" dirty="0"/>
-              <a:t>AI is just another tool</a:t>
+              <a:t>AI + Excel’s existing controls = leverage</a:t>
             </a:r>
           </a:p>
         </p:txBody>
@@ -5743,8 +5968,8 @@
         </p:nvSpPr>
         <p:spPr>
           <a:xfrm>
-            <a:off x="2667000" y="4991100"/>
-            <a:ext cx="3657600" cy="769441"/>
+            <a:off x="2084533" y="4912476"/>
+            <a:ext cx="4419600" cy="1323439"/>
           </a:xfrm>
           <a:prstGeom prst="rect">
             <a:avLst/>
@@ -5759,12 +5984,12 @@
           <a:p>
             <a:pPr algn="ctr"/>
             <a:r>
-              <a:rPr lang="en-US" sz="4400" dirty="0">
+              <a:rPr lang="en-US" sz="4000" dirty="0">
                 <a:solidFill>
                   <a:schemeClr val="bg1"/>
                 </a:solidFill>
               </a:rPr>
-              <a:t>AI is useless</a:t>
+              <a:t>AI without structure = risk</a:t>
             </a:r>
           </a:p>
         </p:txBody>
@@ -5783,8 +6008,8 @@
         </p:nvSpPr>
         <p:spPr>
           <a:xfrm>
-            <a:off x="11125200" y="4839325"/>
-            <a:ext cx="3657600" cy="1446550"/>
+            <a:off x="10611678" y="4900880"/>
+            <a:ext cx="4724400" cy="1323439"/>
           </a:xfrm>
           <a:prstGeom prst="rect">
             <a:avLst/>
@@ -5799,12 +6024,12 @@
           <a:p>
             <a:pPr algn="ctr"/>
             <a:r>
-              <a:rPr lang="en-US" sz="4400" dirty="0">
+              <a:rPr lang="en-US" sz="4000" dirty="0">
                 <a:solidFill>
                   <a:schemeClr val="bg1"/>
                 </a:solidFill>
               </a:rPr>
-              <a:t>AI will take my job</a:t>
+              <a:t>Structure without AI = slow</a:t>
             </a:r>
           </a:p>
         </p:txBody>
@@ -6025,7 +6250,7 @@
         <p:spPr>
           <a:xfrm>
             <a:off x="260431" y="329879"/>
-            <a:ext cx="8906720" cy="7075848"/>
+            <a:ext cx="8906720" cy="7571175"/>
           </a:xfrm>
           <a:prstGeom prst="rect">
             <a:avLst/>
@@ -6079,7 +6304,7 @@
                 <a:latin typeface="Pragmatica" panose="020B0403040502020204"/>
                 <a:sym typeface="Consolas"/>
               </a:rPr>
-              <a:t>Use Copilot to profile for dirty data</a:t>
+              <a:t>Use Copilot to identify potential data quality issues</a:t>
             </a:r>
           </a:p>
           <a:p>
@@ -6105,7 +6330,7 @@
                 <a:latin typeface="Pragmatica" panose="020B0403040502020204"/>
                 <a:sym typeface="Consolas"/>
               </a:rPr>
-              <a:t>Build the reproducible pipeline with Power Query</a:t>
+              <a:t>Enforce standardization and business rules with Power Query</a:t>
             </a:r>
           </a:p>
           <a:p>
@@ -6131,31 +6356,8 @@
                 <a:latin typeface="Pragmatica" panose="020B0403040502020204"/>
                 <a:sym typeface="Consolas"/>
               </a:rPr>
-              <a:t>Improve the documentation with Copilot</a:t>
-            </a:r>
-            <a:endParaRPr lang="en-US" sz="3600" dirty="0">
-              <a:solidFill>
-                <a:srgbClr val="C00000"/>
-              </a:solidFill>
-              <a:latin typeface="Consolas" panose="020B0609020204030204" pitchFamily="49" charset="0"/>
-              <a:sym typeface="Consolas"/>
-            </a:endParaRPr>
-          </a:p>
-          <a:p>
-            <a:pPr marL="685800" indent="-542925">
-              <a:lnSpc>
-                <a:spcPct val="115000"/>
-              </a:lnSpc>
-              <a:spcBef>
-                <a:spcPts val="1125"/>
-              </a:spcBef>
-              <a:buClr>
-                <a:srgbClr val="C00000"/>
-              </a:buClr>
-              <a:buSzPts val="2100"/>
-              <a:buFont typeface="Arial"/>
-              <a:buAutoNum type="arabicPeriod"/>
-            </a:pPr>
+              <a:t>Use Copilot to clarify and document transformation steps</a:t>
+            </a:r>
             <a:endParaRPr lang="en-US" sz="3600" dirty="0">
               <a:solidFill>
                 <a:srgbClr val="C00000"/>
@@ -6195,7 +6397,7 @@
                 <a:latin typeface="Consolas" panose="020B0609020204030204" pitchFamily="49" charset="0"/>
                 <a:sym typeface="Consolas"/>
               </a:rPr>
-              <a:t>EquitySnapshot</a:t>
+              <a:t>InvoiceRegister</a:t>
             </a:r>
             <a:endParaRPr lang="en-US" sz="3600" dirty="0">
               <a:solidFill>
@@ -6345,7 +6547,7 @@
         <p:spPr>
           <a:xfrm>
             <a:off x="260431" y="329879"/>
-            <a:ext cx="8906720" cy="6296980"/>
+            <a:ext cx="8906720" cy="6934078"/>
           </a:xfrm>
           <a:prstGeom prst="rect">
             <a:avLst/>
@@ -6365,7 +6567,7 @@
                 </a:solidFill>
                 <a:latin typeface="Pragmatica" panose="020B0403040502020204" pitchFamily="34" charset="0"/>
               </a:rPr>
-              <a:t>Monte Carlo simulation with Copilot + Python</a:t>
+              <a:t>Scenario-based payment timing analysis</a:t>
             </a:r>
           </a:p>
           <a:p>
@@ -6399,7 +6601,7 @@
                 <a:latin typeface="Pragmatica" panose="020B0403040502020204"/>
                 <a:sym typeface="Consolas"/>
               </a:rPr>
-              <a:t>Specify parameters via natural language</a:t>
+              <a:t>Specify uncertainty ranges using natural language</a:t>
             </a:r>
           </a:p>
           <a:p>
@@ -6425,7 +6627,7 @@
                 <a:latin typeface="Pragmatica" panose="020B0403040502020204"/>
                 <a:sym typeface="Consolas"/>
               </a:rPr>
-              <a:t>Build the reproducible simulation with Python</a:t>
+              <a:t>Run a reproducible scenario analysis with Python in Excel</a:t>
             </a:r>
           </a:p>
           <a:p>
@@ -6482,7 +6684,7 @@
                 <a:latin typeface="Consolas" panose="020B0609020204030204" pitchFamily="49" charset="0"/>
                 <a:sym typeface="Consolas"/>
               </a:rPr>
-              <a:t>EquitySnapshotClean</a:t>
+              <a:t>OpenInvoices</a:t>
             </a:r>
             <a:endParaRPr lang="en-US" sz="3600" dirty="0">
               <a:solidFill>
@@ -6632,7 +6834,7 @@
         <p:spPr>
           <a:xfrm>
             <a:off x="260431" y="329879"/>
-            <a:ext cx="8906720" cy="7571175"/>
+            <a:ext cx="8906720" cy="9272667"/>
           </a:xfrm>
           <a:prstGeom prst="rect">
             <a:avLst/>
@@ -6652,23 +6854,8 @@
                 </a:solidFill>
                 <a:latin typeface="Pragmatica" panose="020B0403040502020204" pitchFamily="34" charset="0"/>
               </a:rPr>
-              <a:t>Agentic reasoning &amp; analysis </a:t>
-            </a:r>
-            <a:r>
-              <a:rPr lang="en-US" sz="6000" b="1">
-                <a:solidFill>
-                  <a:srgbClr val="CF3338"/>
-                </a:solidFill>
-                <a:latin typeface="Pragmatica" panose="020B0403040502020204" pitchFamily="34" charset="0"/>
-              </a:rPr>
-              <a:t>with Analyst Agent</a:t>
-            </a:r>
-            <a:endParaRPr lang="en-US" sz="6000" b="1" dirty="0">
-              <a:solidFill>
-                <a:srgbClr val="CF3338"/>
-              </a:solidFill>
-              <a:latin typeface="Pragmatica" panose="020B0403040502020204" pitchFamily="34" charset="0"/>
-            </a:endParaRPr>
+              <a:t>Exception review &amp; variance explanation with Analyst Agent</a:t>
+            </a:r>
           </a:p>
           <a:p>
             <a:endParaRPr lang="en-US" sz="4200" dirty="0">
@@ -6701,7 +6888,7 @@
                 <a:latin typeface="Pragmatica" panose="020B0403040502020204"/>
                 <a:sym typeface="Consolas"/>
               </a:rPr>
-              <a:t>Ask Agent Analyst to diagnose valuation patterns, outliers, and sector differences</a:t>
+              <a:t>Ask the agent to flag the biggest variances and unusual invoice volume shifts</a:t>
             </a:r>
           </a:p>
           <a:p>
@@ -6727,7 +6914,7 @@
                 <a:latin typeface="Pragmatica" panose="020B0403040502020204"/>
                 <a:sym typeface="Consolas"/>
               </a:rPr>
-              <a:t>Let the agent walk through its reasoning and show intermediate steps</a:t>
+              <a:t>Have it show its work (reasoning + intermediate steps) for review</a:t>
             </a:r>
           </a:p>
           <a:p>
@@ -6753,15 +6940,8 @@
                 <a:latin typeface="Pragmatica" panose="020B0403040502020204"/>
                 <a:sym typeface="Consolas"/>
               </a:rPr>
-              <a:t>Use its findings to draft a concise, defensible executive summary</a:t>
-            </a:r>
-            <a:endParaRPr lang="en-US" sz="3600" dirty="0">
-              <a:solidFill>
-                <a:srgbClr val="C00000"/>
-              </a:solidFill>
-              <a:latin typeface="Consolas" panose="020B0609020204030204" pitchFamily="49" charset="0"/>
-              <a:sym typeface="Consolas"/>
-            </a:endParaRPr>
+              <a:t>Use the output to draft a concise, defensible close summary</a:t>
+            </a:r>
           </a:p>
           <a:p>
             <a:pPr marL="142875">
@@ -6776,6 +6956,27 @@
               </a:buClr>
               <a:buSzPts val="2100"/>
             </a:pPr>
+            <a:endParaRPr lang="en-US" sz="3600" dirty="0">
+              <a:solidFill>
+                <a:srgbClr val="C00000"/>
+              </a:solidFill>
+              <a:latin typeface="Pragmatica" panose="020B0403040502020204"/>
+              <a:sym typeface="Consolas"/>
+            </a:endParaRPr>
+          </a:p>
+          <a:p>
+            <a:pPr marL="142875">
+              <a:lnSpc>
+                <a:spcPct val="115000"/>
+              </a:lnSpc>
+              <a:spcBef>
+                <a:spcPts val="1125"/>
+              </a:spcBef>
+              <a:buClr>
+                <a:srgbClr val="C00000"/>
+              </a:buClr>
+              <a:buSzPts val="2100"/>
+            </a:pPr>
             <a:r>
               <a:rPr lang="en-US" sz="3600" dirty="0">
                 <a:solidFill>
@@ -6794,7 +6995,7 @@
                 <a:latin typeface="Consolas" panose="020B0609020204030204" pitchFamily="49" charset="0"/>
                 <a:sym typeface="Consolas"/>
               </a:rPr>
-              <a:t>EquitySnapshotPlus</a:t>
+              <a:t>APSummary</a:t>
             </a:r>
             <a:endParaRPr lang="en-US" sz="3600" dirty="0">
               <a:solidFill>
@@ -6944,7 +7145,7 @@
         <p:spPr>
           <a:xfrm>
             <a:off x="260431" y="329879"/>
-            <a:ext cx="8906720" cy="8494505"/>
+            <a:ext cx="8906720" cy="9131602"/>
           </a:xfrm>
           <a:prstGeom prst="rect">
             <a:avLst/>
@@ -6964,7 +7165,7 @@
                 </a:solidFill>
                 <a:latin typeface="Pragmatica" panose="020B0403040502020204" pitchFamily="34" charset="0"/>
               </a:rPr>
-              <a:t>Automated workflows with Office Scripts &amp; Power Automate</a:t>
+              <a:t>Controlled approval workflows with Power Automate &amp; Excel</a:t>
             </a:r>
           </a:p>
           <a:p>
@@ -6998,7 +7199,7 @@
                 <a:latin typeface="Pragmatica" panose="020B0403040502020204"/>
                 <a:sym typeface="Consolas"/>
               </a:rPr>
-              <a:t>Record an Office Script for a repetitive modeling step</a:t>
+              <a:t>Use Power Automate to route requests and manage approvals</a:t>
             </a:r>
           </a:p>
           <a:p>
@@ -7024,7 +7225,7 @@
                 <a:latin typeface="Pragmatica" panose="020B0403040502020204"/>
                 <a:sym typeface="Consolas"/>
               </a:rPr>
-              <a:t>Use Power Automate to trigger the script automatically on a schedule or event</a:t>
+              <a:t>Record outcomes and comments in a structured Excel table</a:t>
             </a:r>
           </a:p>
           <a:p>
@@ -7050,15 +7251,8 @@
                 <a:latin typeface="Pragmatica" panose="020B0403040502020204"/>
                 <a:sym typeface="Consolas"/>
               </a:rPr>
-              <a:t>Show how automation removes manual touchpoints without sacrificing control</a:t>
-            </a:r>
-            <a:endParaRPr lang="en-US" sz="3600" dirty="0">
-              <a:solidFill>
-                <a:srgbClr val="C00000"/>
-              </a:solidFill>
-              <a:latin typeface="Consolas" panose="020B0609020204030204" pitchFamily="49" charset="0"/>
-              <a:sym typeface="Consolas"/>
-            </a:endParaRPr>
+              <a:t>Reduce email-based manual work while preserving review and auditability</a:t>
+            </a:r>
           </a:p>
           <a:p>
             <a:pPr marL="142875">
@@ -7081,17 +7275,7 @@
                 <a:latin typeface="Pragmatica" panose="020B0403040502020204"/>
                 <a:sym typeface="Consolas"/>
               </a:rPr>
-              <a:t>Worksheet: </a:t>
-            </a:r>
-            <a:r>
-              <a:rPr lang="en-US" sz="3600" dirty="0" err="1">
-                <a:solidFill>
-                  <a:srgbClr val="C00000"/>
-                </a:solidFill>
-                <a:latin typeface="Consolas" panose="020B0609020204030204" pitchFamily="49" charset="0"/>
-                <a:sym typeface="Consolas"/>
-              </a:rPr>
-              <a:t>EquitySnapshotPlus</a:t>
+              <a:t>Reference example: Expense approval workflow (Forms → Power Automate → Excel)</a:t>
             </a:r>
             <a:endParaRPr lang="en-US" sz="3600" dirty="0">
               <a:solidFill>

--- a/iofm-new-excel-stack.pptx
+++ b/iofm-new-excel-stack.pptx
@@ -247,7 +247,7 @@
           <a:p>
             <a:fld id="{17A98A70-FA8C-4354-959C-C70678AC9BCF}" type="datetimeFigureOut">
               <a:rPr lang="en-US" smtClean="0"/>
-              <a:t>1/19/2026</a:t>
+              <a:t>2/26/2026</a:t>
             </a:fld>
             <a:endParaRPr lang="en-US"/>
           </a:p>
@@ -1517,7 +1517,7 @@
             <a:fld id="{1D8BD707-D9CF-40AE-B4C6-C98DA3205C09}" type="datetimeFigureOut">
               <a:rPr lang="en-US" smtClean="0"/>
               <a:pPr/>
-              <a:t>1/19/2026</a:t>
+              <a:t>2/26/2026</a:t>
             </a:fld>
             <a:endParaRPr lang="en-US"/>
           </a:p>
@@ -1682,7 +1682,7 @@
             <a:fld id="{1D8BD707-D9CF-40AE-B4C6-C98DA3205C09}" type="datetimeFigureOut">
               <a:rPr lang="en-US" smtClean="0"/>
               <a:pPr/>
-              <a:t>1/19/2026</a:t>
+              <a:t>2/26/2026</a:t>
             </a:fld>
             <a:endParaRPr lang="en-US"/>
           </a:p>
@@ -1857,7 +1857,7 @@
             <a:fld id="{1D8BD707-D9CF-40AE-B4C6-C98DA3205C09}" type="datetimeFigureOut">
               <a:rPr lang="en-US" smtClean="0"/>
               <a:pPr/>
-              <a:t>1/19/2026</a:t>
+              <a:t>2/26/2026</a:t>
             </a:fld>
             <a:endParaRPr lang="en-US"/>
           </a:p>
@@ -2022,7 +2022,7 @@
             <a:fld id="{1D8BD707-D9CF-40AE-B4C6-C98DA3205C09}" type="datetimeFigureOut">
               <a:rPr lang="en-US" smtClean="0"/>
               <a:pPr/>
-              <a:t>1/19/2026</a:t>
+              <a:t>2/26/2026</a:t>
             </a:fld>
             <a:endParaRPr lang="en-US"/>
           </a:p>
@@ -2264,7 +2264,7 @@
             <a:fld id="{1D8BD707-D9CF-40AE-B4C6-C98DA3205C09}" type="datetimeFigureOut">
               <a:rPr lang="en-US" smtClean="0"/>
               <a:pPr/>
-              <a:t>1/19/2026</a:t>
+              <a:t>2/26/2026</a:t>
             </a:fld>
             <a:endParaRPr lang="en-US"/>
           </a:p>
@@ -2546,7 +2546,7 @@
             <a:fld id="{1D8BD707-D9CF-40AE-B4C6-C98DA3205C09}" type="datetimeFigureOut">
               <a:rPr lang="en-US" smtClean="0"/>
               <a:pPr/>
-              <a:t>1/19/2026</a:t>
+              <a:t>2/26/2026</a:t>
             </a:fld>
             <a:endParaRPr lang="en-US"/>
           </a:p>
@@ -2962,7 +2962,7 @@
             <a:fld id="{1D8BD707-D9CF-40AE-B4C6-C98DA3205C09}" type="datetimeFigureOut">
               <a:rPr lang="en-US" smtClean="0"/>
               <a:pPr/>
-              <a:t>1/19/2026</a:t>
+              <a:t>2/26/2026</a:t>
             </a:fld>
             <a:endParaRPr lang="en-US"/>
           </a:p>
@@ -3076,7 +3076,7 @@
             <a:fld id="{1D8BD707-D9CF-40AE-B4C6-C98DA3205C09}" type="datetimeFigureOut">
               <a:rPr lang="en-US" smtClean="0"/>
               <a:pPr/>
-              <a:t>1/19/2026</a:t>
+              <a:t>2/26/2026</a:t>
             </a:fld>
             <a:endParaRPr lang="en-US"/>
           </a:p>
@@ -3168,7 +3168,7 @@
             <a:fld id="{1D8BD707-D9CF-40AE-B4C6-C98DA3205C09}" type="datetimeFigureOut">
               <a:rPr lang="en-US" smtClean="0"/>
               <a:pPr/>
-              <a:t>1/19/2026</a:t>
+              <a:t>2/26/2026</a:t>
             </a:fld>
             <a:endParaRPr lang="en-US"/>
           </a:p>
@@ -3440,7 +3440,7 @@
             <a:fld id="{1D8BD707-D9CF-40AE-B4C6-C98DA3205C09}" type="datetimeFigureOut">
               <a:rPr lang="en-US" smtClean="0"/>
               <a:pPr/>
-              <a:t>1/19/2026</a:t>
+              <a:t>2/26/2026</a:t>
             </a:fld>
             <a:endParaRPr lang="en-US"/>
           </a:p>
@@ -3689,7 +3689,7 @@
             <a:fld id="{1D8BD707-D9CF-40AE-B4C6-C98DA3205C09}" type="datetimeFigureOut">
               <a:rPr lang="en-US" smtClean="0"/>
               <a:pPr/>
-              <a:t>1/19/2026</a:t>
+              <a:t>2/26/2026</a:t>
             </a:fld>
             <a:endParaRPr lang="en-US"/>
           </a:p>
@@ -3902,7 +3902,7 @@
             <a:fld id="{1D8BD707-D9CF-40AE-B4C6-C98DA3205C09}" type="datetimeFigureOut">
               <a:rPr lang="en-US" smtClean="0"/>
               <a:pPr/>
-              <a:t>1/19/2026</a:t>
+              <a:t>2/26/2026</a:t>
             </a:fld>
             <a:endParaRPr lang="en-US"/>
           </a:p>
@@ -4721,7 +4721,7 @@
                 <a:latin typeface="Consolas" panose="020B0609020204030204" pitchFamily="49" charset="0"/>
                 <a:sym typeface="Consolas"/>
               </a:rPr>
-              <a:t>APSummary</a:t>
+              <a:t>APMonthly</a:t>
             </a:r>
             <a:endParaRPr lang="en-US" sz="6000" dirty="0">
               <a:solidFill>
@@ -6547,7 +6547,7 @@
         <p:spPr>
           <a:xfrm>
             <a:off x="260431" y="329879"/>
-            <a:ext cx="8906720" cy="6934078"/>
+            <a:ext cx="8906720" cy="6296980"/>
           </a:xfrm>
           <a:prstGeom prst="rect">
             <a:avLst/>
@@ -6627,7 +6627,17 @@
                 <a:latin typeface="Pragmatica" panose="020B0403040502020204"/>
                 <a:sym typeface="Consolas"/>
               </a:rPr>
-              <a:t>Run a reproducible scenario analysis with Python in Excel</a:t>
+              <a:t>Run a reproducible scenario </a:t>
+            </a:r>
+            <a:r>
+              <a:rPr lang="en-US" sz="3600">
+                <a:solidFill>
+                  <a:srgbClr val="C00000"/>
+                </a:solidFill>
+                <a:latin typeface="Pragmatica" panose="020B0403040502020204"/>
+                <a:sym typeface="Consolas"/>
+              </a:rPr>
+              <a:t>analysis </a:t>
             </a:r>
           </a:p>
           <a:p>
@@ -7057,8 +7067,8 @@
         </p:nvSpPr>
         <p:spPr>
           <a:xfrm>
-            <a:off x="9861630" y="0"/>
-            <a:ext cx="8426370" cy="10287000"/>
+            <a:off x="11734800" y="0"/>
+            <a:ext cx="6553200" cy="10287000"/>
           </a:xfrm>
           <a:prstGeom prst="rect">
             <a:avLst/>
@@ -7144,8 +7154,8 @@
         </p:nvSpPr>
         <p:spPr>
           <a:xfrm>
-            <a:off x="260431" y="329879"/>
-            <a:ext cx="8906720" cy="9131602"/>
+            <a:off x="260430" y="329879"/>
+            <a:ext cx="11017169" cy="8839856"/>
           </a:xfrm>
           <a:prstGeom prst="rect">
             <a:avLst/>
@@ -7167,8 +7177,6 @@
               </a:rPr>
               <a:t>Controlled approval workflows with Power Automate &amp; Excel</a:t>
             </a:r>
-          </a:p>
-          <a:p>
             <a:endParaRPr lang="en-US" sz="4200" dirty="0">
               <a:solidFill>
                 <a:srgbClr val="CF3338"/>
@@ -7277,9 +7285,38 @@
               </a:rPr>
               <a:t>Reference example: Expense approval workflow (Forms → Power Automate → Excel)</a:t>
             </a:r>
-            <a:endParaRPr lang="en-US" sz="3600" dirty="0">
+          </a:p>
+          <a:p>
+            <a:pPr marL="142875">
+              <a:lnSpc>
+                <a:spcPct val="115000"/>
+              </a:lnSpc>
+              <a:spcBef>
+                <a:spcPts val="1125"/>
+              </a:spcBef>
+              <a:buClr>
+                <a:srgbClr val="C00000"/>
+              </a:buClr>
+              <a:buSzPts val="2100"/>
+            </a:pPr>
+            <a:r>
+              <a:rPr lang="en-US" sz="3200" u="sng" dirty="0">
+                <a:solidFill>
+                  <a:srgbClr val="CF3338"/>
+                </a:solidFill>
+                <a:hlinkClick r:id="rId4">
+                  <a:extLst>
+                    <a:ext uri="{A12FA001-AC4F-418D-AE19-62706E023703}">
+                      <ahyp:hlinkClr xmlns:ahyp="http://schemas.microsoft.com/office/drawing/2018/hyperlinkcolor" val="tx"/>
+                    </a:ext>
+                  </a:extLst>
+                </a:hlinkClick>
+              </a:rPr>
+              <a:t>https://stringfestanalytics.com/power-automate-for-excel-how-to-create-an-approval-process-with-microsoft-forms/</a:t>
+            </a:r>
+            <a:endParaRPr lang="en-US" sz="5400" dirty="0">
               <a:solidFill>
-                <a:srgbClr val="C00000"/>
+                <a:srgbClr val="CF3338"/>
               </a:solidFill>
               <a:latin typeface="Consolas" panose="020B0609020204030204" pitchFamily="49" charset="0"/>
               <a:sym typeface="Consolas"/>
